--- a/src/gazebo-ros/src/utrafman/models/DC/abejorro/3Dmodel/abejorro3D.pptx
+++ b/src/gazebo-ros/src/utrafman/models/DC/abejorro/3Dmodel/abejorro3D.pptx
@@ -6,6 +6,7 @@
   </p:sldMasterIdLst>
   <p:sldIdLst>
     <p:sldId id="257" r:id="rId2"/>
+    <p:sldId id="258" r:id="rId3"/>
   </p:sldIdLst>
   <p:sldSz cx="12192000" cy="6858000"/>
   <p:notesSz cx="6858000" cy="9144000"/>
@@ -115,13 +116,68 @@
 <file path=ppt/revisionInfo.xml><?xml version="1.0" encoding="utf-8"?>
 <p1510:revInfo xmlns:a="http://schemas.openxmlformats.org/drawingml/2006/main" xmlns:r="http://schemas.openxmlformats.org/officeDocument/2006/relationships" xmlns:p1510="http://schemas.microsoft.com/office/powerpoint/2015/10/main">
   <p1510:revLst>
-    <p1510:client id="{6C064847-F7D9-4181-B86A-FA6116516E55}" v="28" dt="2022-11-19T12:52:47.105"/>
+    <p1510:client id="{DC9E6613-5A17-4962-99CB-4ED0591D7C9D}" v="3" dt="2023-11-16T08:32:19.113"/>
   </p1510:revLst>
 </p1510:revInfo>
 </file>
 
 <file path=ppt/changesInfos/changesInfo1.xml><?xml version="1.0" encoding="utf-8"?>
 <pc:chgInfo xmlns:a="http://schemas.openxmlformats.org/drawingml/2006/main" xmlns:r="http://schemas.openxmlformats.org/officeDocument/2006/relationships" xmlns:ac="http://schemas.microsoft.com/office/drawing/2013/main/command" xmlns:pc="http://schemas.microsoft.com/office/powerpoint/2013/main/command">
+  <pc:docChgLst>
+    <pc:chgData name="Rafael Casado González" userId="1c71fca1-7e6b-4c6f-8614-522343b393e6" providerId="ADAL" clId="{DC9E6613-5A17-4962-99CB-4ED0591D7C9D}"/>
+    <pc:docChg chg="undo custSel addSld modSld">
+      <pc:chgData name="Rafael Casado González" userId="1c71fca1-7e6b-4c6f-8614-522343b393e6" providerId="ADAL" clId="{DC9E6613-5A17-4962-99CB-4ED0591D7C9D}" dt="2023-11-16T08:32:51.231" v="55" actId="207"/>
+      <pc:docMkLst>
+        <pc:docMk/>
+      </pc:docMkLst>
+      <pc:sldChg chg="modSp mod">
+        <pc:chgData name="Rafael Casado González" userId="1c71fca1-7e6b-4c6f-8614-522343b393e6" providerId="ADAL" clId="{DC9E6613-5A17-4962-99CB-4ED0591D7C9D}" dt="2023-11-16T08:28:31.735" v="15"/>
+        <pc:sldMkLst>
+          <pc:docMk/>
+          <pc:sldMk cId="3860430913" sldId="257"/>
+        </pc:sldMkLst>
+        <pc:graphicFrameChg chg="mod modGraphic">
+          <ac:chgData name="Rafael Casado González" userId="1c71fca1-7e6b-4c6f-8614-522343b393e6" providerId="ADAL" clId="{DC9E6613-5A17-4962-99CB-4ED0591D7C9D}" dt="2023-11-16T08:28:31.735" v="15"/>
+          <ac:graphicFrameMkLst>
+            <pc:docMk/>
+            <pc:sldMk cId="3860430913" sldId="257"/>
+            <ac:graphicFrameMk id="6" creationId="{970BCAAF-F548-5B4E-E249-299E7A29DFC4}"/>
+          </ac:graphicFrameMkLst>
+        </pc:graphicFrameChg>
+      </pc:sldChg>
+      <pc:sldChg chg="addSp delSp modSp add mod modAnim">
+        <pc:chgData name="Rafael Casado González" userId="1c71fca1-7e6b-4c6f-8614-522343b393e6" providerId="ADAL" clId="{DC9E6613-5A17-4962-99CB-4ED0591D7C9D}" dt="2023-11-16T08:32:51.231" v="55" actId="207"/>
+        <pc:sldMkLst>
+          <pc:docMk/>
+          <pc:sldMk cId="69303091" sldId="258"/>
+        </pc:sldMkLst>
+        <pc:spChg chg="add del mod ord">
+          <ac:chgData name="Rafael Casado González" userId="1c71fca1-7e6b-4c6f-8614-522343b393e6" providerId="ADAL" clId="{DC9E6613-5A17-4962-99CB-4ED0591D7C9D}" dt="2023-11-16T08:32:51.231" v="55" actId="207"/>
+          <ac:spMkLst>
+            <pc:docMk/>
+            <pc:sldMk cId="69303091" sldId="258"/>
+            <ac:spMk id="2" creationId="{53EE831B-B648-F669-1362-23A05EC71EF3}"/>
+          </ac:spMkLst>
+        </pc:spChg>
+        <pc:grpChg chg="add mod">
+          <ac:chgData name="Rafael Casado González" userId="1c71fca1-7e6b-4c6f-8614-522343b393e6" providerId="ADAL" clId="{DC9E6613-5A17-4962-99CB-4ED0591D7C9D}" dt="2023-11-16T08:31:56.027" v="50" actId="164"/>
+          <ac:grpSpMkLst>
+            <pc:docMk/>
+            <pc:sldMk cId="69303091" sldId="258"/>
+            <ac:grpSpMk id="3" creationId="{3A7715B3-AA44-461A-A646-8A1DE3729FFD}"/>
+          </ac:grpSpMkLst>
+        </pc:grpChg>
+        <pc:graphicFrameChg chg="mod">
+          <ac:chgData name="Rafael Casado González" userId="1c71fca1-7e6b-4c6f-8614-522343b393e6" providerId="ADAL" clId="{DC9E6613-5A17-4962-99CB-4ED0591D7C9D}" dt="2023-11-16T08:31:56.027" v="50" actId="164"/>
+          <ac:graphicFrameMkLst>
+            <pc:docMk/>
+            <pc:sldMk cId="69303091" sldId="258"/>
+            <ac:graphicFrameMk id="6" creationId="{970BCAAF-F548-5B4E-E249-299E7A29DFC4}"/>
+          </ac:graphicFrameMkLst>
+        </pc:graphicFrameChg>
+      </pc:sldChg>
+    </pc:docChg>
+  </pc:docChgLst>
   <pc:docChgLst>
     <pc:chgData name="Rafael Casado González" userId="1c71fca1-7e6b-4c6f-8614-522343b393e6" providerId="ADAL" clId="{6C064847-F7D9-4181-B86A-FA6116516E55}"/>
     <pc:docChg chg="custSel addSld delSld modSld sldOrd">
@@ -373,7 +429,7 @@
           <a:p>
             <a:fld id="{78A21EA7-D091-4EC2-913C-937FB2C50F01}" type="datetimeFigureOut">
               <a:rPr lang="es-ES" smtClean="0"/>
-              <a:t>19/12/2022</a:t>
+              <a:t>16/11/2023</a:t>
             </a:fld>
             <a:endParaRPr lang="es-ES"/>
           </a:p>
@@ -571,7 +627,7 @@
           <a:p>
             <a:fld id="{78A21EA7-D091-4EC2-913C-937FB2C50F01}" type="datetimeFigureOut">
               <a:rPr lang="es-ES" smtClean="0"/>
-              <a:t>19/12/2022</a:t>
+              <a:t>16/11/2023</a:t>
             </a:fld>
             <a:endParaRPr lang="es-ES"/>
           </a:p>
@@ -779,7 +835,7 @@
           <a:p>
             <a:fld id="{78A21EA7-D091-4EC2-913C-937FB2C50F01}" type="datetimeFigureOut">
               <a:rPr lang="es-ES" smtClean="0"/>
-              <a:t>19/12/2022</a:t>
+              <a:t>16/11/2023</a:t>
             </a:fld>
             <a:endParaRPr lang="es-ES"/>
           </a:p>
@@ -977,7 +1033,7 @@
           <a:p>
             <a:fld id="{78A21EA7-D091-4EC2-913C-937FB2C50F01}" type="datetimeFigureOut">
               <a:rPr lang="es-ES" smtClean="0"/>
-              <a:t>19/12/2022</a:t>
+              <a:t>16/11/2023</a:t>
             </a:fld>
             <a:endParaRPr lang="es-ES"/>
           </a:p>
@@ -1252,7 +1308,7 @@
           <a:p>
             <a:fld id="{78A21EA7-D091-4EC2-913C-937FB2C50F01}" type="datetimeFigureOut">
               <a:rPr lang="es-ES" smtClean="0"/>
-              <a:t>19/12/2022</a:t>
+              <a:t>16/11/2023</a:t>
             </a:fld>
             <a:endParaRPr lang="es-ES"/>
           </a:p>
@@ -1517,7 +1573,7 @@
           <a:p>
             <a:fld id="{78A21EA7-D091-4EC2-913C-937FB2C50F01}" type="datetimeFigureOut">
               <a:rPr lang="es-ES" smtClean="0"/>
-              <a:t>19/12/2022</a:t>
+              <a:t>16/11/2023</a:t>
             </a:fld>
             <a:endParaRPr lang="es-ES"/>
           </a:p>
@@ -1929,7 +1985,7 @@
           <a:p>
             <a:fld id="{78A21EA7-D091-4EC2-913C-937FB2C50F01}" type="datetimeFigureOut">
               <a:rPr lang="es-ES" smtClean="0"/>
-              <a:t>19/12/2022</a:t>
+              <a:t>16/11/2023</a:t>
             </a:fld>
             <a:endParaRPr lang="es-ES"/>
           </a:p>
@@ -2070,7 +2126,7 @@
           <a:p>
             <a:fld id="{78A21EA7-D091-4EC2-913C-937FB2C50F01}" type="datetimeFigureOut">
               <a:rPr lang="es-ES" smtClean="0"/>
-              <a:t>19/12/2022</a:t>
+              <a:t>16/11/2023</a:t>
             </a:fld>
             <a:endParaRPr lang="es-ES"/>
           </a:p>
@@ -2183,7 +2239,7 @@
           <a:p>
             <a:fld id="{78A21EA7-D091-4EC2-913C-937FB2C50F01}" type="datetimeFigureOut">
               <a:rPr lang="es-ES" smtClean="0"/>
-              <a:t>19/12/2022</a:t>
+              <a:t>16/11/2023</a:t>
             </a:fld>
             <a:endParaRPr lang="es-ES"/>
           </a:p>
@@ -2494,7 +2550,7 @@
           <a:p>
             <a:fld id="{78A21EA7-D091-4EC2-913C-937FB2C50F01}" type="datetimeFigureOut">
               <a:rPr lang="es-ES" smtClean="0"/>
-              <a:t>19/12/2022</a:t>
+              <a:t>16/11/2023</a:t>
             </a:fld>
             <a:endParaRPr lang="es-ES"/>
           </a:p>
@@ -2782,7 +2838,7 @@
           <a:p>
             <a:fld id="{78A21EA7-D091-4EC2-913C-937FB2C50F01}" type="datetimeFigureOut">
               <a:rPr lang="es-ES" smtClean="0"/>
-              <a:t>19/12/2022</a:t>
+              <a:t>16/11/2023</a:t>
             </a:fld>
             <a:endParaRPr lang="es-ES"/>
           </a:p>
@@ -3023,7 +3079,7 @@
           <a:p>
             <a:fld id="{78A21EA7-D091-4EC2-913C-937FB2C50F01}" type="datetimeFigureOut">
               <a:rPr lang="es-ES" smtClean="0"/>
-              <a:t>19/12/2022</a:t>
+              <a:t>16/11/2023</a:t>
             </a:fld>
             <a:endParaRPr lang="es-ES"/>
           </a:p>
@@ -3457,14 +3513,14 @@
               <p:nvPr>
                 <p:extLst>
                   <p:ext uri="{D42A27DB-BD31-4B8C-83A1-F6EECF244321}">
-                    <p14:modId xmlns:p14="http://schemas.microsoft.com/office/powerpoint/2010/main" val="4094256208"/>
+                    <p14:modId xmlns:p14="http://schemas.microsoft.com/office/powerpoint/2010/main" val="1871979323"/>
                   </p:ext>
                 </p:extLst>
               </p:nvPr>
             </p:nvGraphicFramePr>
             <p:xfrm>
-              <a:off x="3666327" y="664715"/>
-              <a:ext cx="4519818" cy="4519817"/>
+              <a:off x="3666330" y="664717"/>
+              <a:ext cx="4519808" cy="4519809"/>
             </p:xfrm>
             <a:graphic>
               <a:graphicData uri="http://schemas.microsoft.com/office/drawing/2017/model3d">
@@ -3472,7 +3528,7 @@
                   <am3d:spPr>
                     <a:xfrm>
                       <a:off x="0" y="0"/>
-                      <a:ext cx="4519818" cy="4519817"/>
+                      <a:ext cx="4519808" cy="4519809"/>
                     </a:xfrm>
                     <a:prstGeom prst="rect">
                       <a:avLst/>
@@ -3498,7 +3554,7 @@
                   <am3d:raster rName="Office3DRenderer" rVer="16.0.8326">
                     <am3d:blip r:embed="rId3"/>
                   </am3d:raster>
-                  <am3d:objViewport viewportSz="6674906"/>
+                  <am3d:objViewport viewportSz="6674893"/>
                   <am3d:ambientLight>
                     <am3d:clr>
                       <a:scrgbClr r="50000" g="50000" b="50000"/>
@@ -3554,8 +3610,8 @@
             </p:blipFill>
             <p:spPr>
               <a:xfrm>
-                <a:off x="3666327" y="664715"/>
-                <a:ext cx="4519818" cy="4519817"/>
+                <a:off x="3666330" y="664717"/>
+                <a:ext cx="4519808" cy="4519809"/>
               </a:xfrm>
               <a:prstGeom prst="rect">
                 <a:avLst/>
@@ -5998,6 +6054,246 @@
       </p:par>
     </p:tnLst>
   </p:timing>
+</p:sld>
+</file>
+
+<file path=ppt/slides/slide2.xml><?xml version="1.0" encoding="utf-8"?>
+<p:sld xmlns:a="http://schemas.openxmlformats.org/drawingml/2006/main" xmlns:r="http://schemas.openxmlformats.org/officeDocument/2006/relationships" xmlns:p="http://schemas.openxmlformats.org/presentationml/2006/main">
+  <p:cSld>
+    <p:spTree>
+      <p:nvGrpSpPr>
+        <p:cNvPr id="1" name=""/>
+        <p:cNvGrpSpPr/>
+        <p:nvPr/>
+      </p:nvGrpSpPr>
+      <p:grpSpPr>
+        <a:xfrm>
+          <a:off x="0" y="0"/>
+          <a:ext cx="0" cy="0"/>
+          <a:chOff x="0" y="0"/>
+          <a:chExt cx="0" cy="0"/>
+        </a:xfrm>
+      </p:grpSpPr>
+      <p:grpSp>
+        <p:nvGrpSpPr>
+          <p:cNvPr id="3" name="Grupo 2">
+            <a:extLst>
+              <a:ext uri="{FF2B5EF4-FFF2-40B4-BE49-F238E27FC236}">
+                <a16:creationId xmlns:a16="http://schemas.microsoft.com/office/drawing/2014/main" id="{3A7715B3-AA44-461A-A646-8A1DE3729FFD}"/>
+              </a:ext>
+            </a:extLst>
+          </p:cNvPr>
+          <p:cNvGrpSpPr/>
+          <p:nvPr/>
+        </p:nvGrpSpPr>
+        <p:grpSpPr>
+          <a:xfrm>
+            <a:off x="3184567" y="310047"/>
+            <a:ext cx="5535058" cy="5535058"/>
+            <a:chOff x="3184567" y="310047"/>
+            <a:chExt cx="5535058" cy="5535058"/>
+          </a:xfrm>
+        </p:grpSpPr>
+        <p:sp>
+          <p:nvSpPr>
+            <p:cNvPr id="2" name="Rectángulo: esquinas redondeadas 1">
+              <a:extLst>
+                <a:ext uri="{FF2B5EF4-FFF2-40B4-BE49-F238E27FC236}">
+                  <a16:creationId xmlns:a16="http://schemas.microsoft.com/office/drawing/2014/main" id="{53EE831B-B648-F669-1362-23A05EC71EF3}"/>
+                </a:ext>
+              </a:extLst>
+            </p:cNvPr>
+            <p:cNvSpPr/>
+            <p:nvPr/>
+          </p:nvSpPr>
+          <p:spPr>
+            <a:xfrm>
+              <a:off x="3184567" y="310047"/>
+              <a:ext cx="5535058" cy="5535058"/>
+            </a:xfrm>
+            <a:prstGeom prst="roundRect">
+              <a:avLst>
+                <a:gd name="adj" fmla="val 3596"/>
+              </a:avLst>
+            </a:prstGeom>
+            <a:gradFill flip="none" rotWithShape="1">
+              <a:gsLst>
+                <a:gs pos="0">
+                  <a:schemeClr val="bg1">
+                    <a:lumMod val="85000"/>
+                  </a:schemeClr>
+                </a:gs>
+                <a:gs pos="100000">
+                  <a:schemeClr val="bg1"/>
+                </a:gs>
+              </a:gsLst>
+              <a:lin ang="18900000" scaled="1"/>
+              <a:tileRect/>
+            </a:gradFill>
+            <a:ln>
+              <a:noFill/>
+            </a:ln>
+          </p:spPr>
+          <p:style>
+            <a:lnRef idx="2">
+              <a:schemeClr val="accent1">
+                <a:shade val="50000"/>
+              </a:schemeClr>
+            </a:lnRef>
+            <a:fillRef idx="1">
+              <a:schemeClr val="accent1"/>
+            </a:fillRef>
+            <a:effectRef idx="0">
+              <a:schemeClr val="accent1"/>
+            </a:effectRef>
+            <a:fontRef idx="minor">
+              <a:schemeClr val="lt1"/>
+            </a:fontRef>
+          </p:style>
+          <p:txBody>
+            <a:bodyPr rtlCol="0" anchor="ctr"/>
+            <a:lstStyle/>
+            <a:p>
+              <a:pPr algn="ctr"/>
+              <a:endParaRPr lang="es-ES" dirty="0"/>
+            </a:p>
+          </p:txBody>
+        </p:sp>
+        <mc:AlternateContent xmlns:mc="http://schemas.openxmlformats.org/markup-compatibility/2006">
+          <mc:Choice xmlns:am3d="http://schemas.microsoft.com/office/drawing/2017/model3d" Requires="am3d">
+            <p:graphicFrame>
+              <p:nvGraphicFramePr>
+                <p:cNvPr id="6" name="Modelo 3D 5">
+                  <a:extLst>
+                    <a:ext uri="{FF2B5EF4-FFF2-40B4-BE49-F238E27FC236}">
+                      <a16:creationId xmlns:a16="http://schemas.microsoft.com/office/drawing/2014/main" id="{970BCAAF-F548-5B4E-E249-299E7A29DFC4}"/>
+                    </a:ext>
+                  </a:extLst>
+                </p:cNvPr>
+                <p:cNvGraphicFramePr>
+                  <a:graphicFrameLocks noChangeAspect="1"/>
+                </p:cNvGraphicFramePr>
+                <p:nvPr>
+                  <p:extLst>
+                    <p:ext uri="{D42A27DB-BD31-4B8C-83A1-F6EECF244321}">
+                      <p14:modId xmlns:p14="http://schemas.microsoft.com/office/powerpoint/2010/main" val="2275860848"/>
+                    </p:ext>
+                  </p:extLst>
+                </p:nvPr>
+              </p:nvGraphicFramePr>
+              <p:xfrm rot="10800000">
+                <a:off x="3312456" y="1491567"/>
+                <a:ext cx="5227557" cy="2866110"/>
+              </p:xfrm>
+              <a:graphic>
+                <a:graphicData uri="http://schemas.microsoft.com/office/drawing/2017/model3d">
+                  <am3d:model3d r:embed="rId2">
+                    <am3d:spPr>
+                      <a:xfrm rot="10800000">
+                        <a:off x="0" y="0"/>
+                        <a:ext cx="5227557" cy="2866110"/>
+                      </a:xfrm>
+                      <a:prstGeom prst="rect">
+                        <a:avLst/>
+                      </a:prstGeom>
+                    </am3d:spPr>
+                    <am3d:camera>
+                      <am3d:pos x="0" y="0" z="67055963"/>
+                      <am3d:up dx="0" dy="36000000" dz="0"/>
+                      <am3d:lookAt x="0" y="0" z="0"/>
+                      <am3d:perspective fov="2700000"/>
+                    </am3d:camera>
+                    <am3d:trans>
+                      <am3d:meterPerModelUnit n="3999999" d="1000000"/>
+                      <am3d:preTrans dx="-24690" dy="-118015" dz="1079999"/>
+                      <am3d:scale>
+                        <am3d:sx n="1000000" d="1000000"/>
+                        <am3d:sy n="1000000" d="1000000"/>
+                        <am3d:sz n="1000000" d="1000000"/>
+                      </am3d:scale>
+                      <am3d:rot ax="3676023" ay="-326252" az="-588377"/>
+                      <am3d:postTrans dx="0" dy="0" dz="0"/>
+                    </am3d:trans>
+                    <am3d:raster rName="Office3DRenderer" rVer="16.0.8326">
+                      <am3d:blip r:embed="rId3"/>
+                    </am3d:raster>
+                    <am3d:objViewport viewportSz="6674894"/>
+                    <am3d:ambientLight>
+                      <am3d:clr>
+                        <a:scrgbClr r="50000" g="50000" b="50000"/>
+                      </am3d:clr>
+                      <am3d:illuminance n="500000" d="1000000"/>
+                    </am3d:ambientLight>
+                    <am3d:ptLight rad="0">
+                      <am3d:clr>
+                        <a:scrgbClr r="100000" g="75000" b="50000"/>
+                      </am3d:clr>
+                      <am3d:intensity n="9765625" d="1000000"/>
+                      <am3d:pos x="21959998" y="70920001" z="16344003"/>
+                    </am3d:ptLight>
+                    <am3d:ptLight rad="0">
+                      <am3d:clr>
+                        <a:scrgbClr r="40000" g="60000" b="95000"/>
+                      </am3d:clr>
+                      <am3d:intensity n="12250000" d="1000000"/>
+                      <am3d:pos x="-37964106" y="51130435" z="57631972"/>
+                    </am3d:ptLight>
+                    <am3d:ptLight rad="0">
+                      <am3d:clr>
+                        <a:scrgbClr r="86837" g="72700" b="100000"/>
+                      </am3d:clr>
+                      <am3d:intensity n="3125000" d="1000000"/>
+                      <am3d:pos x="-37739122" y="58056624" z="-34769649"/>
+                    </am3d:ptLight>
+                  </am3d:model3d>
+                </a:graphicData>
+              </a:graphic>
+            </p:graphicFrame>
+          </mc:Choice>
+          <mc:Fallback>
+            <p:pic>
+              <p:nvPicPr>
+                <p:cNvPr id="6" name="Modelo 3D 5">
+                  <a:extLst>
+                    <a:ext uri="{FF2B5EF4-FFF2-40B4-BE49-F238E27FC236}">
+                      <a16:creationId xmlns:a16="http://schemas.microsoft.com/office/drawing/2014/main" id="{970BCAAF-F548-5B4E-E249-299E7A29DFC4}"/>
+                    </a:ext>
+                  </a:extLst>
+                </p:cNvPr>
+                <p:cNvPicPr>
+                  <a:picLocks noGrp="1" noRot="1" noChangeAspect="1" noMove="1" noResize="1" noEditPoints="1" noAdjustHandles="1" noChangeArrowheads="1" noChangeShapeType="1" noCrop="1"/>
+                </p:cNvPicPr>
+                <p:nvPr/>
+              </p:nvPicPr>
+              <p:blipFill>
+                <a:blip r:embed="rId3"/>
+                <a:stretch>
+                  <a:fillRect/>
+                </a:stretch>
+              </p:blipFill>
+              <p:spPr>
+                <a:xfrm rot="10800000">
+                  <a:off x="3312456" y="1491567"/>
+                  <a:ext cx="5227557" cy="2866110"/>
+                </a:xfrm>
+                <a:prstGeom prst="rect">
+                  <a:avLst/>
+                </a:prstGeom>
+              </p:spPr>
+            </p:pic>
+          </mc:Fallback>
+        </mc:AlternateContent>
+      </p:grpSp>
+    </p:spTree>
+    <p:extLst>
+      <p:ext uri="{BB962C8B-B14F-4D97-AF65-F5344CB8AC3E}">
+        <p14:creationId xmlns:p14="http://schemas.microsoft.com/office/powerpoint/2010/main" val="69303091"/>
+      </p:ext>
+    </p:extLst>
+  </p:cSld>
+  <p:clrMapOvr>
+    <a:masterClrMapping/>
+  </p:clrMapOvr>
 </p:sld>
 </file>
 
